--- a/Dodge 게임으로 배우는 프로그래밍.pptx
+++ b/Dodge 게임으로 배우는 프로그래밍.pptx
@@ -128,6 +128,11 @@
       </a:defRPr>
     </a:lvl9pPr>
   </p:defaultTextStyle>
+  <p:extLst>
+    <p:ext uri="{EFAFB233-063F-42B5-8137-9DF3F51BA10A}">
+      <p15:sldGuideLst xmlns:p15="http://schemas.microsoft.com/office/powerpoint/2012/main"/>
+    </p:ext>
+  </p:extLst>
 </p:presentation>
 </file>
 
@@ -6124,13 +6129,13 @@
         </p:nvSpPr>
         <p:spPr>
           <a:xfrm>
-            <a:off x="612648" y="600074"/>
-            <a:ext cx="6035040" cy="1529932"/>
+            <a:off x="332949" y="1004448"/>
+            <a:ext cx="6035040" cy="1075757"/>
           </a:xfrm>
         </p:spPr>
         <p:txBody>
           <a:bodyPr vert="horz" lIns="91440" tIns="45720" rIns="91440" bIns="45720" rtlCol="0" anchor="b">
-            <a:normAutofit/>
+            <a:normAutofit fontScale="90000"/>
           </a:bodyPr>
           <a:lstStyle/>
           <a:p>
@@ -6395,6 +6400,52 @@
           </a:prstGeom>
         </p:spPr>
       </p:pic>
+      <p:sp>
+        <p:nvSpPr>
+          <p:cNvPr id="6" name="TextBox 5">
+            <a:extLst>
+              <a:ext uri="{FF2B5EF4-FFF2-40B4-BE49-F238E27FC236}">
+                <a16:creationId xmlns:a16="http://schemas.microsoft.com/office/drawing/2014/main" id="{0E4347A4-EB6A-E5D9-80BF-572D8C6982EA}"/>
+              </a:ext>
+            </a:extLst>
+          </p:cNvPr>
+          <p:cNvSpPr txBox="1"/>
+          <p:nvPr/>
+        </p:nvSpPr>
+        <p:spPr>
+          <a:xfrm>
+            <a:off x="553482" y="225474"/>
+            <a:ext cx="6094206" cy="646331"/>
+          </a:xfrm>
+          <a:prstGeom prst="rect">
+            <a:avLst/>
+          </a:prstGeom>
+          <a:noFill/>
+        </p:spPr>
+        <p:txBody>
+          <a:bodyPr wrap="square">
+            <a:spAutoFit/>
+          </a:bodyPr>
+          <a:lstStyle/>
+          <a:p>
+            <a:r>
+              <a:rPr lang="en-US" altLang="ko-KR" dirty="0"/>
+              <a:t>Git </a:t>
+            </a:r>
+            <a:r>
+              <a:rPr lang="ko-KR" altLang="en-US" dirty="0"/>
+              <a:t>주소</a:t>
+            </a:r>
+            <a:endParaRPr lang="en-US" altLang="ko-KR" dirty="0"/>
+          </a:p>
+          <a:p>
+            <a:r>
+              <a:rPr lang="ko-KR" altLang="en-US" dirty="0"/>
+              <a:t>https://github.com/checheche12/simple_dodge</a:t>
+            </a:r>
+          </a:p>
+        </p:txBody>
+      </p:sp>
     </p:spTree>
     <p:extLst>
       <p:ext uri="{BB962C8B-B14F-4D97-AF65-F5344CB8AC3E}">
